--- a/Final Project _2022.pptx
+++ b/Final Project _2022.pptx
@@ -225,7 +225,7 @@
           <a:p>
             <a:fld id="{043B725B-653D-4166-A8E9-72A38A1847CF}" type="datetimeFigureOut">
               <a:rPr lang="en-US"/>
-              <a:t>11/11/2022</a:t>
+              <a:t>11/12/2022</a:t>
             </a:fld>
             <a:endParaRPr/>
           </a:p>
@@ -390,7 +390,7 @@
           <a:p>
             <a:fld id="{783F64CD-0576-4A9A-BD06-7889D6E60BDC}" type="datetimeFigureOut">
               <a:rPr lang="en-US"/>
-              <a:t>11/11/2022</a:t>
+              <a:t>11/12/2022</a:t>
             </a:fld>
             <a:endParaRPr/>
           </a:p>
@@ -988,7 +988,7 @@
           <a:p>
             <a:fld id="{37CC0096-1860-4642-9CD2-0079EA5E7CD1}" type="datetimeFigureOut">
               <a:rPr lang="en-US"/>
-              <a:t>11/11/2022</a:t>
+              <a:t>11/12/2022</a:t>
             </a:fld>
             <a:endParaRPr/>
           </a:p>
@@ -1237,7 +1237,7 @@
           <a:p>
             <a:fld id="{37CC0096-1860-4642-9CD2-0079EA5E7CD1}" type="datetimeFigureOut">
               <a:rPr lang="en-US"/>
-              <a:t>11/11/2022</a:t>
+              <a:t>11/12/2022</a:t>
             </a:fld>
             <a:endParaRPr/>
           </a:p>
@@ -8185,7 +8185,7 @@
           <a:p>
             <a:fld id="{37CC0096-1860-4642-9CD2-0079EA5E7CD1}" type="datetimeFigureOut">
               <a:rPr lang="en-US"/>
-              <a:t>11/11/2022</a:t>
+              <a:t>11/12/2022</a:t>
             </a:fld>
             <a:endParaRPr/>
           </a:p>
@@ -8716,7 +8716,7 @@
           <a:p>
             <a:fld id="{37CC0096-1860-4642-9CD2-0079EA5E7CD1}" type="datetimeFigureOut">
               <a:rPr lang="en-US"/>
-              <a:t>11/11/2022</a:t>
+              <a:t>11/12/2022</a:t>
             </a:fld>
             <a:endParaRPr/>
           </a:p>
@@ -9168,7 +9168,7 @@
           <a:p>
             <a:fld id="{37CC0096-1860-4642-9CD2-0079EA5E7CD1}" type="datetimeFigureOut">
               <a:rPr lang="en-US"/>
-              <a:t>11/11/2022</a:t>
+              <a:t>11/12/2022</a:t>
             </a:fld>
             <a:endParaRPr/>
           </a:p>
@@ -9298,7 +9298,7 @@
           <a:p>
             <a:fld id="{37CC0096-1860-4642-9CD2-0079EA5E7CD1}" type="datetimeFigureOut">
               <a:rPr lang="en-US"/>
-              <a:t>11/11/2022</a:t>
+              <a:t>11/12/2022</a:t>
             </a:fld>
             <a:endParaRPr/>
           </a:p>
@@ -9405,7 +9405,7 @@
           <a:p>
             <a:fld id="{37CC0096-1860-4642-9CD2-0079EA5E7CD1}" type="datetimeFigureOut">
               <a:rPr lang="en-US"/>
-              <a:t>11/11/2022</a:t>
+              <a:t>11/12/2022</a:t>
             </a:fld>
             <a:endParaRPr/>
           </a:p>
@@ -10394,7 +10394,7 @@
             <a:fld id="{37CC0096-1860-4642-9CD2-0079EA5E7CD1}" type="datetimeFigureOut">
               <a:rPr lang="en-US" smtClean="0"/>
               <a:pPr/>
-              <a:t>11/11/2022</a:t>
+              <a:t>11/12/2022</a:t>
             </a:fld>
             <a:endParaRPr lang="en-US" dirty="0"/>
           </a:p>
@@ -11441,6 +11441,58 @@
           <a:chExt cx="0" cy="0"/>
         </a:xfrm>
       </p:grpSpPr>
+      <p:pic>
+        <p:nvPicPr>
+          <p:cNvPr id="1026" name="Picture 2">
+            <a:extLst>
+              <a:ext uri="{FF2B5EF4-FFF2-40B4-BE49-F238E27FC236}">
+                <a16:creationId xmlns:a16="http://schemas.microsoft.com/office/drawing/2014/main" id="{39DDEE1C-62FE-05AE-2E48-D959BC89C0D0}"/>
+              </a:ext>
+            </a:extLst>
+          </p:cNvPr>
+          <p:cNvPicPr>
+            <a:picLocks noChangeAspect="1" noChangeArrowheads="1"/>
+          </p:cNvPicPr>
+          <p:nvPr/>
+        </p:nvPicPr>
+        <p:blipFill>
+          <a:blip r:embed="rId2">
+            <a:extLst>
+              <a:ext uri="{28A0092B-C50C-407E-A947-70E740481C1C}">
+                <a14:useLocalDpi xmlns:a14="http://schemas.microsoft.com/office/drawing/2010/main" val="0"/>
+              </a:ext>
+            </a:extLst>
+          </a:blip>
+          <a:srcRect/>
+          <a:stretch>
+            <a:fillRect/>
+          </a:stretch>
+        </p:blipFill>
+        <p:spPr bwMode="auto">
+          <a:xfrm>
+            <a:off x="228600" y="221019"/>
+            <a:ext cx="11658600" cy="6429375"/>
+          </a:xfrm>
+          <a:prstGeom prst="rect">
+            <a:avLst/>
+          </a:prstGeom>
+          <a:noFill/>
+          <a:ln w="41275">
+            <a:solidFill>
+              <a:schemeClr val="accent1"/>
+            </a:solidFill>
+          </a:ln>
+          <a:extLst>
+            <a:ext uri="{909E8E84-426E-40DD-AFC4-6F175D3DCCD1}">
+              <a14:hiddenFill xmlns:a14="http://schemas.microsoft.com/office/drawing/2010/main">
+                <a:solidFill>
+                  <a:srgbClr val="FFFFFF"/>
+                </a:solidFill>
+              </a14:hiddenFill>
+            </a:ext>
+          </a:extLst>
+        </p:spPr>
+      </p:pic>
       <p:sp>
         <p:nvSpPr>
           <p:cNvPr id="2" name="Title 1">
@@ -11457,13 +11509,24 @@
             <p:ph type="title"/>
           </p:nvPr>
         </p:nvSpPr>
-        <p:spPr/>
+        <p:spPr>
+          <a:xfrm>
+            <a:off x="1828800" y="609600"/>
+            <a:ext cx="7772400" cy="990600"/>
+          </a:xfrm>
+        </p:spPr>
         <p:txBody>
           <a:bodyPr/>
           <a:lstStyle/>
           <a:p>
             <a:r>
               <a:rPr lang="en-US" dirty="0">
+                <a:solidFill>
+                  <a:schemeClr val="accent3">
+                    <a:lumMod val="60000"/>
+                    <a:lumOff val="40000"/>
+                  </a:schemeClr>
+                </a:solidFill>
                 <a:latin typeface="Palatino Linotype" panose="02040502050505030304" pitchFamily="18" charset="0"/>
               </a:rPr>
               <a:t>Tableau Link </a:t>
@@ -11471,7 +11534,7 @@
             <a:r>
               <a:rPr lang="en-US" dirty="0">
                 <a:latin typeface="Palatino Linotype" panose="02040502050505030304" pitchFamily="18" charset="0"/>
-                <a:hlinkClick r:id="rId2"/>
+                <a:hlinkClick r:id="rId3"/>
               </a:rPr>
               <a:t>HERE</a:t>
             </a:r>
